--- a/teaching/expdes/lectures/week7.pptx
+++ b/teaching/expdes/lectures/week7.pptx
@@ -3336,7 +3336,7 @@
         </p:nvSpPr>
         <p:spPr>
           <a:xfrm>
-            <a:off x="892885" y="1122363"/>
+            <a:off x="846268" y="0"/>
             <a:ext cx="10499463" cy="4277976"/>
           </a:xfrm>
         </p:spPr>
@@ -3367,7 +3367,7 @@
             </a:br>
             <a:r>
               <a:rPr lang="en-US" sz="4900" dirty="0"/>
-              <a:t>Binary Response Variables, Random vs Fixed Effects, and Outliers </a:t>
+              <a:t>Binary Response Variables </a:t>
             </a:r>
             <a:br>
               <a:rPr lang="en-US" sz="4900" dirty="0"/>
@@ -3420,8 +3420,38 @@
         </p:blipFill>
         <p:spPr>
           <a:xfrm>
-            <a:off x="3974983" y="3153223"/>
+            <a:off x="3866126" y="1425810"/>
             <a:ext cx="7716253" cy="2396100"/>
+          </a:xfrm>
+          <a:prstGeom prst="rect">
+            <a:avLst/>
+          </a:prstGeom>
+        </p:spPr>
+      </p:pic>
+      <p:pic>
+        <p:nvPicPr>
+          <p:cNvPr id="7" name="Picture 6">
+            <a:extLst>
+              <a:ext uri="{FF2B5EF4-FFF2-40B4-BE49-F238E27FC236}">
+                <a16:creationId xmlns:a16="http://schemas.microsoft.com/office/drawing/2014/main" id="{639057E0-20C8-9BB6-E611-B7F6B2E2CFC5}"/>
+              </a:ext>
+            </a:extLst>
+          </p:cNvPr>
+          <p:cNvPicPr>
+            <a:picLocks noChangeAspect="1"/>
+          </p:cNvPicPr>
+          <p:nvPr/>
+        </p:nvPicPr>
+        <p:blipFill>
+          <a:blip r:embed="rId3"/>
+          <a:stretch>
+            <a:fillRect/>
+          </a:stretch>
+        </p:blipFill>
+        <p:spPr>
+          <a:xfrm>
+            <a:off x="6095999" y="3968273"/>
+            <a:ext cx="3836005" cy="2927834"/>
           </a:xfrm>
           <a:prstGeom prst="rect">
             <a:avLst/>
